--- a/diagrams/errorHandling/defensiveProgramming/referentialIntegrity/woman.pptx
+++ b/diagrams/errorHandling/defensiveProgramming/referentialIntegrity/woman.pptx
@@ -3097,122 +3097,6 @@
       </p:grpSpPr>
       <p:sp>
         <p:nvSpPr>
-          <p:cNvPr id="26" name="Freeform 25"/>
-          <p:cNvSpPr/>
-          <p:nvPr/>
-        </p:nvSpPr>
-        <p:spPr>
-          <a:xfrm>
-            <a:off x="472043" y="533400"/>
-            <a:ext cx="8443356" cy="2843447"/>
-          </a:xfrm>
-          <a:custGeom>
-            <a:avLst/>
-            <a:gdLst>
-              <a:gd name="connsiteX0" fmla="*/ 4346369 w 8443356"/>
-              <a:gd name="connsiteY0" fmla="*/ 0 h 2422567"/>
-              <a:gd name="connsiteX1" fmla="*/ 8443356 w 8443356"/>
-              <a:gd name="connsiteY1" fmla="*/ 0 h 2422567"/>
-              <a:gd name="connsiteX2" fmla="*/ 8443356 w 8443356"/>
-              <a:gd name="connsiteY2" fmla="*/ 2422567 h 2422567"/>
-              <a:gd name="connsiteX3" fmla="*/ 0 w 8443356"/>
-              <a:gd name="connsiteY3" fmla="*/ 2422567 h 2422567"/>
-              <a:gd name="connsiteX4" fmla="*/ 0 w 8443356"/>
-              <a:gd name="connsiteY4" fmla="*/ 1353787 h 2422567"/>
-              <a:gd name="connsiteX5" fmla="*/ 4346369 w 8443356"/>
-              <a:gd name="connsiteY5" fmla="*/ 1353787 h 2422567"/>
-              <a:gd name="connsiteX6" fmla="*/ 4346369 w 8443356"/>
-              <a:gd name="connsiteY6" fmla="*/ 0 h 2422567"/>
-            </a:gdLst>
-            <a:ahLst/>
-            <a:cxnLst>
-              <a:cxn ang="0">
-                <a:pos x="connsiteX0" y="connsiteY0"/>
-              </a:cxn>
-              <a:cxn ang="0">
-                <a:pos x="connsiteX1" y="connsiteY1"/>
-              </a:cxn>
-              <a:cxn ang="0">
-                <a:pos x="connsiteX2" y="connsiteY2"/>
-              </a:cxn>
-              <a:cxn ang="0">
-                <a:pos x="connsiteX3" y="connsiteY3"/>
-              </a:cxn>
-              <a:cxn ang="0">
-                <a:pos x="connsiteX4" y="connsiteY4"/>
-              </a:cxn>
-              <a:cxn ang="0">
-                <a:pos x="connsiteX5" y="connsiteY5"/>
-              </a:cxn>
-              <a:cxn ang="0">
-                <a:pos x="connsiteX6" y="connsiteY6"/>
-              </a:cxn>
-            </a:cxnLst>
-            <a:rect l="l" t="t" r="r" b="b"/>
-            <a:pathLst>
-              <a:path w="8443356" h="2422567">
-                <a:moveTo>
-                  <a:pt x="4346369" y="0"/>
-                </a:moveTo>
-                <a:lnTo>
-                  <a:pt x="8443356" y="0"/>
-                </a:lnTo>
-                <a:lnTo>
-                  <a:pt x="8443356" y="2422567"/>
-                </a:lnTo>
-                <a:lnTo>
-                  <a:pt x="0" y="2422567"/>
-                </a:lnTo>
-                <a:lnTo>
-                  <a:pt x="0" y="1353787"/>
-                </a:lnTo>
-                <a:lnTo>
-                  <a:pt x="4346369" y="1353787"/>
-                </a:lnTo>
-                <a:lnTo>
-                  <a:pt x="4346369" y="0"/>
-                </a:lnTo>
-                <a:close/>
-              </a:path>
-            </a:pathLst>
-          </a:custGeom>
-          <a:solidFill>
-            <a:schemeClr val="accent6">
-              <a:lumMod val="20000"/>
-              <a:lumOff val="80000"/>
-            </a:schemeClr>
-          </a:solidFill>
-          <a:ln w="12700">
-            <a:prstDash val="dash"/>
-          </a:ln>
-        </p:spPr>
-        <p:style>
-          <a:lnRef idx="2">
-            <a:schemeClr val="accent1">
-              <a:shade val="50000"/>
-            </a:schemeClr>
-          </a:lnRef>
-          <a:fillRef idx="1">
-            <a:schemeClr val="accent1"/>
-          </a:fillRef>
-          <a:effectRef idx="0">
-            <a:schemeClr val="accent1"/>
-          </a:effectRef>
-          <a:fontRef idx="minor">
-            <a:schemeClr val="lt1"/>
-          </a:fontRef>
-        </p:style>
-        <p:txBody>
-          <a:bodyPr rtlCol="0" anchor="ctr"/>
-          <a:lstStyle/>
-          <a:p>
-            <a:pPr algn="ctr"/>
-            <a:endParaRPr lang="en-US"/>
-          </a:p>
-        </p:txBody>
-      </p:sp>
-      <p:sp>
-        <p:nvSpPr>
           <p:cNvPr id="27" name="Rectangle 26"/>
           <p:cNvSpPr/>
           <p:nvPr/>
@@ -3515,360 +3399,6 @@
               <a:t>boyfriend</a:t>
             </a:r>
             <a:endParaRPr lang="en-US" sz="2000" dirty="0"/>
-          </a:p>
-        </p:txBody>
-      </p:sp>
-      <p:sp>
-        <p:nvSpPr>
-          <p:cNvPr id="34" name="Content Placeholder 3"/>
-          <p:cNvSpPr txBox="1">
-            <a:spLocks/>
-          </p:cNvSpPr>
-          <p:nvPr/>
-        </p:nvSpPr>
-        <p:spPr>
-          <a:xfrm>
-            <a:off x="4817378" y="762000"/>
-            <a:ext cx="4098022" cy="1508105"/>
-          </a:xfrm>
-          <a:prstGeom prst="rect">
-            <a:avLst/>
-          </a:prstGeom>
-          <a:noFill/>
-          <a:ln>
-            <a:noFill/>
-            <a:prstDash val="dash"/>
-          </a:ln>
-        </p:spPr>
-        <p:txBody>
-          <a:bodyPr vert="horz" wrap="square" lIns="91440" tIns="45720" rIns="91440" bIns="45720" rtlCol="0">
-            <a:spAutoFit/>
-          </a:bodyPr>
-          <a:lstStyle/>
-          <a:p>
-            <a:pPr marL="363734" indent="-342900">
-              <a:spcBef>
-                <a:spcPct val="20000"/>
-              </a:spcBef>
-              <a:buSzPct val="50000"/>
-              <a:buFont typeface="Wingdings" pitchFamily="2" charset="2"/>
-              <a:buNone/>
-            </a:pPr>
-            <a:r>
-              <a:rPr kumimoji="0" lang="en-US" sz="2000" b="0" i="0" u="none" strike="noStrike" kern="1200" cap="none" spc="0" normalizeH="0" baseline="0" noProof="0" dirty="0" smtClean="0">
-                <a:ln>
-                  <a:noFill/>
-                </a:ln>
-                <a:effectLst/>
-                <a:uLnTx/>
-                <a:uFillTx/>
-                <a:ea typeface="+mn-ea"/>
-                <a:cs typeface="+mn-cs"/>
-              </a:rPr>
-              <a:t>Woman </a:t>
-            </a:r>
-            <a:r>
-              <a:rPr lang="en-US" sz="2000" dirty="0" smtClean="0"/>
-              <a:t>jean</a:t>
-            </a:r>
-            <a:r>
-              <a:rPr lang="en-US" sz="2000" noProof="0" dirty="0" smtClean="0"/>
-              <a:t>; Man </a:t>
-            </a:r>
-            <a:r>
-              <a:rPr lang="en-US" sz="2000" dirty="0" err="1" smtClean="0"/>
-              <a:t>james</a:t>
-            </a:r>
-            <a:r>
-              <a:rPr lang="en-US" sz="2000" noProof="0" dirty="0" smtClean="0"/>
-              <a:t>, </a:t>
-            </a:r>
-            <a:r>
-              <a:rPr lang="en-US" sz="2000" dirty="0" err="1" smtClean="0"/>
-              <a:t>yong</a:t>
-            </a:r>
-            <a:r>
-              <a:rPr lang="en-US" sz="2000" noProof="0" dirty="0" smtClean="0"/>
-              <a:t>;</a:t>
-            </a:r>
-          </a:p>
-          <a:p>
-            <a:pPr marL="363734" indent="-342900">
-              <a:spcBef>
-                <a:spcPct val="20000"/>
-              </a:spcBef>
-              <a:buSzPct val="50000"/>
-              <a:buFont typeface="Wingdings" pitchFamily="2" charset="2"/>
-              <a:buNone/>
-            </a:pPr>
-            <a:r>
-              <a:rPr lang="en-US" sz="2000" dirty="0" smtClean="0"/>
-              <a:t>…</a:t>
-            </a:r>
-          </a:p>
-          <a:p>
-            <a:pPr marL="363734" indent="-342900">
-              <a:spcBef>
-                <a:spcPct val="20000"/>
-              </a:spcBef>
-              <a:buSzPct val="50000"/>
-              <a:buFont typeface="Wingdings" pitchFamily="2" charset="2"/>
-              <a:buNone/>
-            </a:pPr>
-            <a:r>
-              <a:rPr lang="en-US" sz="2000" dirty="0" err="1" smtClean="0"/>
-              <a:t>james.setGirlfriend</a:t>
-            </a:r>
-            <a:r>
-              <a:rPr lang="en-US" sz="2000" dirty="0" smtClean="0"/>
-              <a:t>(jean);  </a:t>
-            </a:r>
-          </a:p>
-          <a:p>
-            <a:pPr marL="363734" indent="-342900">
-              <a:spcBef>
-                <a:spcPct val="20000"/>
-              </a:spcBef>
-              <a:buSzPct val="50000"/>
-              <a:buFont typeface="Wingdings" pitchFamily="2" charset="2"/>
-              <a:buNone/>
-            </a:pPr>
-            <a:r>
-              <a:rPr lang="en-US" sz="2000" dirty="0" err="1" smtClean="0"/>
-              <a:t>jean.setBoyfriend</a:t>
-            </a:r>
-            <a:r>
-              <a:rPr lang="en-US" sz="2000" dirty="0" smtClean="0"/>
-              <a:t>(</a:t>
-            </a:r>
-            <a:r>
-              <a:rPr lang="en-US" sz="2000" dirty="0" err="1" smtClean="0"/>
-              <a:t>yong</a:t>
-            </a:r>
-            <a:r>
-              <a:rPr lang="en-US" sz="2000" dirty="0" smtClean="0"/>
-              <a:t>);  </a:t>
-            </a:r>
-          </a:p>
-        </p:txBody>
-      </p:sp>
-      <p:sp>
-        <p:nvSpPr>
-          <p:cNvPr id="35" name="Content Placeholder 3"/>
-          <p:cNvSpPr txBox="1">
-            <a:spLocks/>
-          </p:cNvSpPr>
-          <p:nvPr/>
-        </p:nvSpPr>
-        <p:spPr>
-          <a:xfrm>
-            <a:off x="467716" y="535158"/>
-            <a:ext cx="4256684" cy="1508105"/>
-          </a:xfrm>
-          <a:prstGeom prst="rect">
-            <a:avLst/>
-          </a:prstGeom>
-          <a:solidFill>
-            <a:schemeClr val="accent1">
-              <a:lumMod val="20000"/>
-              <a:lumOff val="80000"/>
-            </a:schemeClr>
-          </a:solidFill>
-          <a:ln w="12700">
-            <a:solidFill>
-              <a:schemeClr val="accent1"/>
-            </a:solidFill>
-            <a:prstDash val="dash"/>
-          </a:ln>
-        </p:spPr>
-        <p:txBody>
-          <a:bodyPr vert="horz" wrap="square" lIns="91440" tIns="45720" rIns="91440" bIns="45720" rtlCol="0">
-            <a:spAutoFit/>
-          </a:bodyPr>
-          <a:lstStyle/>
-          <a:p>
-            <a:pPr marL="363734" indent="-342900">
-              <a:spcBef>
-                <a:spcPct val="20000"/>
-              </a:spcBef>
-              <a:buSzPct val="50000"/>
-              <a:buFont typeface="Wingdings" pitchFamily="2" charset="2"/>
-              <a:buNone/>
-            </a:pPr>
-            <a:r>
-              <a:rPr kumimoji="0" lang="en-US" sz="2000" b="0" i="0" u="none" strike="noStrike" kern="1200" cap="none" spc="0" normalizeH="0" baseline="0" noProof="0" dirty="0" smtClean="0">
-                <a:ln>
-                  <a:noFill/>
-                </a:ln>
-                <a:effectLst/>
-                <a:uLnTx/>
-                <a:uFillTx/>
-                <a:ea typeface="+mn-ea"/>
-                <a:cs typeface="+mn-cs"/>
-              </a:rPr>
-              <a:t>Woman jean</a:t>
-            </a:r>
-            <a:r>
-              <a:rPr lang="en-US" sz="2000" noProof="0" dirty="0" smtClean="0"/>
-              <a:t>; Man </a:t>
-            </a:r>
-            <a:r>
-              <a:rPr lang="en-US" sz="2000" dirty="0" err="1" smtClean="0"/>
-              <a:t>james</a:t>
-            </a:r>
-            <a:r>
-              <a:rPr lang="en-US" sz="2000" dirty="0" smtClean="0"/>
-              <a:t>;</a:t>
-            </a:r>
-            <a:endParaRPr lang="en-US" sz="2000" noProof="0" dirty="0" smtClean="0"/>
-          </a:p>
-          <a:p>
-            <a:pPr marL="363734" indent="-342900">
-              <a:spcBef>
-                <a:spcPct val="20000"/>
-              </a:spcBef>
-              <a:buSzPct val="50000"/>
-              <a:buFont typeface="Wingdings" pitchFamily="2" charset="2"/>
-              <a:buNone/>
-            </a:pPr>
-            <a:r>
-              <a:rPr lang="en-US" sz="2000" dirty="0" smtClean="0"/>
-              <a:t>…</a:t>
-            </a:r>
-          </a:p>
-          <a:p>
-            <a:pPr marL="363734" indent="-342900">
-              <a:spcBef>
-                <a:spcPct val="20000"/>
-              </a:spcBef>
-              <a:buSzPct val="50000"/>
-              <a:buFont typeface="Wingdings" pitchFamily="2" charset="2"/>
-              <a:buNone/>
-            </a:pPr>
-            <a:r>
-              <a:rPr lang="en-US" sz="2000" dirty="0" err="1" smtClean="0"/>
-              <a:t>james.setGirlfriend</a:t>
-            </a:r>
-            <a:r>
-              <a:rPr lang="en-US" sz="2000" dirty="0" smtClean="0"/>
-              <a:t>(jean); </a:t>
-            </a:r>
-          </a:p>
-          <a:p>
-            <a:pPr marL="363734" indent="-342900">
-              <a:spcBef>
-                <a:spcPct val="20000"/>
-              </a:spcBef>
-              <a:buSzPct val="50000"/>
-              <a:buFont typeface="Wingdings" pitchFamily="2" charset="2"/>
-              <a:buNone/>
-            </a:pPr>
-            <a:r>
-              <a:rPr lang="en-US" sz="2000" dirty="0" err="1" smtClean="0"/>
-              <a:t>jean.setBoyfriend</a:t>
-            </a:r>
-            <a:r>
-              <a:rPr lang="en-US" sz="2000" dirty="0" smtClean="0"/>
-              <a:t>(</a:t>
-            </a:r>
-            <a:r>
-              <a:rPr lang="en-US" sz="2000" dirty="0" err="1" smtClean="0"/>
-              <a:t>james</a:t>
-            </a:r>
-            <a:r>
-              <a:rPr lang="en-US" sz="2000" dirty="0" smtClean="0"/>
-              <a:t>); </a:t>
-            </a:r>
-          </a:p>
-        </p:txBody>
-      </p:sp>
-      <p:sp>
-        <p:nvSpPr>
-          <p:cNvPr id="36" name="Rectangle 35"/>
-          <p:cNvSpPr/>
-          <p:nvPr/>
-        </p:nvSpPr>
-        <p:spPr>
-          <a:xfrm>
-            <a:off x="4273636" y="533400"/>
-            <a:ext cx="450764" cy="400110"/>
-          </a:xfrm>
-          <a:prstGeom prst="rect">
-            <a:avLst/>
-          </a:prstGeom>
-          <a:solidFill>
-            <a:schemeClr val="accent1"/>
-          </a:solidFill>
-          <a:ln>
-            <a:solidFill>
-              <a:schemeClr val="accent1"/>
-            </a:solidFill>
-          </a:ln>
-        </p:spPr>
-        <p:txBody>
-          <a:bodyPr wrap="none">
-            <a:spAutoFit/>
-          </a:bodyPr>
-          <a:lstStyle/>
-          <a:p>
-            <a:r>
-              <a:rPr lang="en-US" sz="2000" dirty="0" smtClean="0">
-                <a:solidFill>
-                  <a:schemeClr val="bg1"/>
-                </a:solidFill>
-              </a:rPr>
-              <a:t>(c)</a:t>
-            </a:r>
-            <a:endParaRPr lang="en-US" sz="2000" dirty="0">
-              <a:solidFill>
-                <a:schemeClr val="bg1"/>
-              </a:solidFill>
-            </a:endParaRPr>
-          </a:p>
-        </p:txBody>
-      </p:sp>
-      <p:sp>
-        <p:nvSpPr>
-          <p:cNvPr id="37" name="Rectangle 36"/>
-          <p:cNvSpPr/>
-          <p:nvPr/>
-        </p:nvSpPr>
-        <p:spPr>
-          <a:xfrm>
-            <a:off x="8418949" y="533400"/>
-            <a:ext cx="476412" cy="400110"/>
-          </a:xfrm>
-          <a:prstGeom prst="rect">
-            <a:avLst/>
-          </a:prstGeom>
-          <a:solidFill>
-            <a:schemeClr val="accent1"/>
-          </a:solidFill>
-          <a:ln>
-            <a:solidFill>
-              <a:schemeClr val="accent1"/>
-            </a:solidFill>
-          </a:ln>
-        </p:spPr>
-        <p:txBody>
-          <a:bodyPr wrap="none">
-            <a:spAutoFit/>
-          </a:bodyPr>
-          <a:lstStyle/>
-          <a:p>
-            <a:r>
-              <a:rPr lang="en-US" sz="2000" dirty="0" smtClean="0">
-                <a:solidFill>
-                  <a:schemeClr val="bg1"/>
-                </a:solidFill>
-              </a:rPr>
-              <a:t>(d)</a:t>
-            </a:r>
-            <a:endParaRPr lang="en-US" sz="2000" dirty="0">
-              <a:solidFill>
-                <a:schemeClr val="bg1"/>
-              </a:solidFill>
-            </a:endParaRPr>
           </a:p>
         </p:txBody>
       </p:sp>
@@ -4091,33 +3621,6 @@
                                   </p:childTnLst>
                                 </p:cTn>
                               </p:par>
-                              <p:par>
-                                <p:cTn id="19" presetID="1" presetClass="entr" presetSubtype="0" fill="hold" grpId="0" nodeType="withEffect">
-                                  <p:stCondLst>
-                                    <p:cond delay="0"/>
-                                  </p:stCondLst>
-                                  <p:childTnLst>
-                                    <p:set>
-                                      <p:cBhvr>
-                                        <p:cTn id="20" dur="1" fill="hold">
-                                          <p:stCondLst>
-                                            <p:cond delay="0"/>
-                                          </p:stCondLst>
-                                        </p:cTn>
-                                        <p:tgtEl>
-                                          <p:spTgt spid="34"/>
-                                        </p:tgtEl>
-                                        <p:attrNameLst>
-                                          <p:attrName>style.visibility</p:attrName>
-                                        </p:attrNameLst>
-                                      </p:cBhvr>
-                                      <p:to>
-                                        <p:strVal val="visible"/>
-                                      </p:to>
-                                    </p:set>
-                                  </p:childTnLst>
-                                </p:cTn>
-                              </p:par>
                             </p:childTnLst>
                           </p:cTn>
                         </p:par>
@@ -4151,7 +3654,6 @@
       <p:bldP spid="31" grpId="0" animBg="1"/>
       <p:bldP spid="32" grpId="0"/>
       <p:bldP spid="33" grpId="0"/>
-      <p:bldP spid="34" grpId="0"/>
     </p:bldLst>
   </p:timing>
 </p:sld>
